--- a/การทำนายสภาพอากาศด้วย Linear Regression.pptx
+++ b/การทำนายสภาพอากาศด้วย Linear Regression.pptx
@@ -5,10 +5,10 @@
     <p:sldMasterId id="2147483746" r:id="rId1"/>
   </p:sldMasterIdLst>
   <p:notesMasterIdLst>
-    <p:notesMasterId r:id="rId11"/>
+    <p:notesMasterId r:id="rId9"/>
   </p:notesMasterIdLst>
   <p:handoutMasterIdLst>
-    <p:handoutMasterId r:id="rId12"/>
+    <p:handoutMasterId r:id="rId10"/>
   </p:handoutMasterIdLst>
   <p:sldIdLst>
     <p:sldId id="257" r:id="rId2"/>
@@ -18,8 +18,6 @@
     <p:sldId id="262" r:id="rId6"/>
     <p:sldId id="263" r:id="rId7"/>
     <p:sldId id="264" r:id="rId8"/>
-    <p:sldId id="265" r:id="rId9"/>
-    <p:sldId id="266" r:id="rId10"/>
   </p:sldIdLst>
   <p:sldSz cx="12192000" cy="6858000"/>
   <p:notesSz cx="6858000" cy="9144000"/>
@@ -4848,35 +4846,6 @@
           </a:p>
         </p:txBody>
       </p:sp>
-      <p:pic>
-        <p:nvPicPr>
-          <p:cNvPr id="11" name="Content Placeholder 10">
-            <a:extLst>
-              <a:ext uri="{FF2B5EF4-FFF2-40B4-BE49-F238E27FC236}">
-                <a16:creationId xmlns:a16="http://schemas.microsoft.com/office/drawing/2014/main" id="{63DA5E6D-034E-BA4B-9375-179B1F8FED69}"/>
-              </a:ext>
-            </a:extLst>
-          </p:cNvPr>
-          <p:cNvPicPr>
-            <a:picLocks noGrp="1" noChangeAspect="1"/>
-          </p:cNvPicPr>
-          <p:nvPr>
-            <p:ph idx="1"/>
-          </p:nvPr>
-        </p:nvPicPr>
-        <p:blipFill>
-          <a:blip r:embed="rId2"/>
-          <a:stretch>
-            <a:fillRect/>
-          </a:stretch>
-        </p:blipFill>
-        <p:spPr>
-          <a:xfrm>
-            <a:off x="1998616" y="2234129"/>
-            <a:ext cx="7874224" cy="2193921"/>
-          </a:xfrm>
-        </p:spPr>
-      </p:pic>
       <p:sp>
         <p:nvSpPr>
           <p:cNvPr id="13" name="Rectangle 12">
@@ -4891,8 +4860,8 @@
         </p:nvSpPr>
         <p:spPr>
           <a:xfrm>
-            <a:off x="1921108" y="4621007"/>
-            <a:ext cx="6473709" cy="1187669"/>
+            <a:off x="1921109" y="4621007"/>
+            <a:ext cx="5514862" cy="1187669"/>
           </a:xfrm>
           <a:prstGeom prst="rect">
             <a:avLst/>
@@ -4932,7 +4901,7 @@
             <a:pPr algn="ctr"/>
             <a:r>
               <a:rPr lang="en-US" dirty="0"/>
-              <a:t>80%</a:t>
+              <a:t>70%</a:t>
             </a:r>
             <a:endParaRPr lang="th-TH" dirty="0"/>
           </a:p>
@@ -4952,8 +4921,8 @@
         </p:nvSpPr>
         <p:spPr>
           <a:xfrm>
-            <a:off x="8394817" y="4621006"/>
-            <a:ext cx="1478023" cy="1187669"/>
+            <a:off x="7435971" y="4621006"/>
+            <a:ext cx="2436869" cy="1187669"/>
           </a:xfrm>
           <a:prstGeom prst="rect">
             <a:avLst/>
@@ -4993,7 +4962,7 @@
             <a:pPr algn="ctr"/>
             <a:r>
               <a:rPr lang="en-US" dirty="0"/>
-              <a:t>20%</a:t>
+              <a:t>30%</a:t>
             </a:r>
             <a:endParaRPr lang="th-TH" dirty="0"/>
           </a:p>
@@ -5017,7 +4986,7 @@
         </p:nvSpPr>
         <p:spPr>
           <a:xfrm>
-            <a:off x="4821631" y="5943091"/>
+            <a:off x="4342209" y="5949305"/>
             <a:ext cx="672662" cy="369332"/>
           </a:xfrm>
           <a:prstGeom prst="rect">
@@ -5053,7 +5022,7 @@
         </p:nvSpPr>
         <p:spPr>
           <a:xfrm>
-            <a:off x="8797497" y="5949305"/>
+            <a:off x="8318074" y="5949305"/>
             <a:ext cx="672662" cy="369332"/>
           </a:xfrm>
           <a:prstGeom prst="rect">
@@ -5075,6 +5044,36 @@
           </a:p>
         </p:txBody>
       </p:sp>
+      <p:pic>
+        <p:nvPicPr>
+          <p:cNvPr id="5" name="Picture 4">
+            <a:extLst>
+              <a:ext uri="{FF2B5EF4-FFF2-40B4-BE49-F238E27FC236}">
+                <a16:creationId xmlns:a16="http://schemas.microsoft.com/office/drawing/2014/main" id="{8830B5FF-D2FB-F905-E8D6-F281EBDDD9B3}"/>
+              </a:ext>
+            </a:extLst>
+          </p:cNvPr>
+          <p:cNvPicPr>
+            <a:picLocks noChangeAspect="1"/>
+          </p:cNvPicPr>
+          <p:nvPr/>
+        </p:nvPicPr>
+        <p:blipFill>
+          <a:blip r:embed="rId2"/>
+          <a:stretch>
+            <a:fillRect/>
+          </a:stretch>
+        </p:blipFill>
+        <p:spPr>
+          <a:xfrm>
+            <a:off x="2058956" y="2191470"/>
+            <a:ext cx="7813884" cy="2115823"/>
+          </a:xfrm>
+          <a:prstGeom prst="rect">
+            <a:avLst/>
+          </a:prstGeom>
+        </p:spPr>
+      </p:pic>
     </p:spTree>
     <p:extLst>
       <p:ext uri="{BB962C8B-B14F-4D97-AF65-F5344CB8AC3E}">
@@ -5264,10 +5263,10 @@
       </p:pic>
       <p:pic>
         <p:nvPicPr>
-          <p:cNvPr id="8" name="Picture 7">
+          <p:cNvPr id="4" name="Picture 3">
             <a:extLst>
               <a:ext uri="{FF2B5EF4-FFF2-40B4-BE49-F238E27FC236}">
-                <a16:creationId xmlns:a16="http://schemas.microsoft.com/office/drawing/2014/main" id="{09792CEC-4C7E-22AF-8617-ECC1E9B5CBD4}"/>
+                <a16:creationId xmlns:a16="http://schemas.microsoft.com/office/drawing/2014/main" id="{269431A4-8037-569C-EFB8-095BCA9F9EC6}"/>
               </a:ext>
             </a:extLst>
           </p:cNvPr>
@@ -5276,16 +5275,15 @@
           </p:cNvPicPr>
           <p:nvPr/>
         </p:nvPicPr>
-        <p:blipFill>
+        <p:blipFill rotWithShape="1">
           <a:blip r:embed="rId3"/>
-          <a:stretch>
-            <a:fillRect/>
-          </a:stretch>
+          <a:srcRect t="24823"/>
+          <a:stretch/>
         </p:blipFill>
         <p:spPr>
           <a:xfrm>
-            <a:off x="1533881" y="5120640"/>
-            <a:ext cx="9124238" cy="608284"/>
+            <a:off x="2511982" y="5184475"/>
+            <a:ext cx="7168035" cy="428462"/>
           </a:xfrm>
           <a:prstGeom prst="rect">
             <a:avLst/>
@@ -5379,208 +5377,108 @@
         </p:blipFill>
         <p:spPr>
           <a:xfrm>
-            <a:off x="4878955" y="844588"/>
-            <a:ext cx="7582557" cy="5486875"/>
+            <a:off x="4887582" y="414762"/>
+            <a:ext cx="6948666" cy="5028180"/>
           </a:xfrm>
           <a:prstGeom prst="rect">
             <a:avLst/>
           </a:prstGeom>
         </p:spPr>
       </p:pic>
+      <p:sp>
+        <p:nvSpPr>
+          <p:cNvPr id="2" name="TextBox 1">
+            <a:extLst>
+              <a:ext uri="{FF2B5EF4-FFF2-40B4-BE49-F238E27FC236}">
+                <a16:creationId xmlns:a16="http://schemas.microsoft.com/office/drawing/2014/main" id="{7F00A9D4-9B8E-1FE5-DB72-C3343728F1F4}"/>
+              </a:ext>
+            </a:extLst>
+          </p:cNvPr>
+          <p:cNvSpPr txBox="1"/>
+          <p:nvPr/>
+        </p:nvSpPr>
+        <p:spPr>
+          <a:xfrm>
+            <a:off x="6682596" y="5442942"/>
+            <a:ext cx="1184695" cy="923330"/>
+          </a:xfrm>
+          <a:prstGeom prst="rect">
+            <a:avLst/>
+          </a:prstGeom>
+          <a:noFill/>
+        </p:spPr>
+        <p:txBody>
+          <a:bodyPr wrap="square" rtlCol="0">
+            <a:spAutoFit/>
+          </a:bodyPr>
+          <a:lstStyle/>
+          <a:p>
+            <a:r>
+              <a:rPr lang="en-US" dirty="0"/>
+              <a:t>1 drizzle</a:t>
+            </a:r>
+          </a:p>
+          <a:p>
+            <a:r>
+              <a:rPr lang="en-US" dirty="0"/>
+              <a:t>2 rain</a:t>
+            </a:r>
+          </a:p>
+          <a:p>
+            <a:r>
+              <a:rPr lang="en-US" dirty="0"/>
+              <a:t>3 sun</a:t>
+            </a:r>
+            <a:endParaRPr lang="th-TH" dirty="0"/>
+          </a:p>
+        </p:txBody>
+      </p:sp>
+      <p:sp>
+        <p:nvSpPr>
+          <p:cNvPr id="4" name="TextBox 3">
+            <a:extLst>
+              <a:ext uri="{FF2B5EF4-FFF2-40B4-BE49-F238E27FC236}">
+                <a16:creationId xmlns:a16="http://schemas.microsoft.com/office/drawing/2014/main" id="{9474918E-B174-A77F-7F51-FEAB2754B815}"/>
+              </a:ext>
+            </a:extLst>
+          </p:cNvPr>
+          <p:cNvSpPr txBox="1"/>
+          <p:nvPr/>
+        </p:nvSpPr>
+        <p:spPr>
+          <a:xfrm>
+            <a:off x="8212017" y="5442942"/>
+            <a:ext cx="1326081" cy="646331"/>
+          </a:xfrm>
+          <a:prstGeom prst="rect">
+            <a:avLst/>
+          </a:prstGeom>
+          <a:noFill/>
+        </p:spPr>
+        <p:txBody>
+          <a:bodyPr wrap="square">
+            <a:spAutoFit/>
+          </a:bodyPr>
+          <a:lstStyle/>
+          <a:p>
+            <a:r>
+              <a:rPr lang="en-US" dirty="0"/>
+              <a:t>4 snow</a:t>
+            </a:r>
+          </a:p>
+          <a:p>
+            <a:r>
+              <a:rPr lang="en-US" dirty="0"/>
+              <a:t>5 fog </a:t>
+            </a:r>
+            <a:endParaRPr lang="th-TH" dirty="0"/>
+          </a:p>
+        </p:txBody>
+      </p:sp>
     </p:spTree>
     <p:extLst>
       <p:ext uri="{BB962C8B-B14F-4D97-AF65-F5344CB8AC3E}">
         <p14:creationId xmlns:p14="http://schemas.microsoft.com/office/powerpoint/2010/main" val="4221047683"/>
-      </p:ext>
-    </p:extLst>
-  </p:cSld>
-  <p:clrMapOvr>
-    <a:masterClrMapping/>
-  </p:clrMapOvr>
-</p:sld>
-</file>
-
-<file path=ppt/slides/slide8.xml><?xml version="1.0" encoding="utf-8"?>
-<p:sld xmlns:a="http://schemas.openxmlformats.org/drawingml/2006/main" xmlns:r="http://schemas.openxmlformats.org/officeDocument/2006/relationships" xmlns:p="http://schemas.openxmlformats.org/presentationml/2006/main">
-  <p:cSld>
-    <p:spTree>
-      <p:nvGrpSpPr>
-        <p:cNvPr id="1" name=""/>
-        <p:cNvGrpSpPr/>
-        <p:nvPr/>
-      </p:nvGrpSpPr>
-      <p:grpSpPr>
-        <a:xfrm>
-          <a:off x="0" y="0"/>
-          <a:ext cx="0" cy="0"/>
-          <a:chOff x="0" y="0"/>
-          <a:chExt cx="0" cy="0"/>
-        </a:xfrm>
-      </p:grpSpPr>
-      <p:sp>
-        <p:nvSpPr>
-          <p:cNvPr id="9" name="Title 1">
-            <a:extLst>
-              <a:ext uri="{FF2B5EF4-FFF2-40B4-BE49-F238E27FC236}">
-                <a16:creationId xmlns:a16="http://schemas.microsoft.com/office/drawing/2014/main" id="{D2961D40-A93C-726E-9656-F8FDBF4BAE76}"/>
-              </a:ext>
-            </a:extLst>
-          </p:cNvPr>
-          <p:cNvSpPr>
-            <a:spLocks noGrp="1"/>
-          </p:cNvSpPr>
-          <p:nvPr>
-            <p:ph type="title"/>
-          </p:nvPr>
-        </p:nvSpPr>
-        <p:spPr>
-          <a:xfrm>
-            <a:off x="133181" y="1303283"/>
-            <a:ext cx="4538134" cy="2932909"/>
-          </a:xfrm>
-        </p:spPr>
-        <p:txBody>
-          <a:bodyPr>
-            <a:normAutofit/>
-          </a:bodyPr>
-          <a:lstStyle/>
-          <a:p>
-            <a:r>
-              <a:rPr lang="en-US" sz="6600" dirty="0"/>
-              <a:t>Result</a:t>
-            </a:r>
-          </a:p>
-        </p:txBody>
-      </p:sp>
-      <p:pic>
-        <p:nvPicPr>
-          <p:cNvPr id="3" name="Picture 2">
-            <a:extLst>
-              <a:ext uri="{FF2B5EF4-FFF2-40B4-BE49-F238E27FC236}">
-                <a16:creationId xmlns:a16="http://schemas.microsoft.com/office/drawing/2014/main" id="{BF6ED17D-11D7-C429-897B-4B40827C4624}"/>
-              </a:ext>
-            </a:extLst>
-          </p:cNvPr>
-          <p:cNvPicPr>
-            <a:picLocks noChangeAspect="1"/>
-          </p:cNvPicPr>
-          <p:nvPr/>
-        </p:nvPicPr>
-        <p:blipFill>
-          <a:blip r:embed="rId2"/>
-          <a:stretch>
-            <a:fillRect/>
-          </a:stretch>
-        </p:blipFill>
-        <p:spPr>
-          <a:xfrm>
-            <a:off x="4780653" y="695386"/>
-            <a:ext cx="7354075" cy="5511872"/>
-          </a:xfrm>
-          <a:prstGeom prst="rect">
-            <a:avLst/>
-          </a:prstGeom>
-        </p:spPr>
-      </p:pic>
-    </p:spTree>
-    <p:extLst>
-      <p:ext uri="{BB962C8B-B14F-4D97-AF65-F5344CB8AC3E}">
-        <p14:creationId xmlns:p14="http://schemas.microsoft.com/office/powerpoint/2010/main" val="491997948"/>
-      </p:ext>
-    </p:extLst>
-  </p:cSld>
-  <p:clrMapOvr>
-    <a:masterClrMapping/>
-  </p:clrMapOvr>
-</p:sld>
-</file>
-
-<file path=ppt/slides/slide9.xml><?xml version="1.0" encoding="utf-8"?>
-<p:sld xmlns:a="http://schemas.openxmlformats.org/drawingml/2006/main" xmlns:r="http://schemas.openxmlformats.org/officeDocument/2006/relationships" xmlns:p="http://schemas.openxmlformats.org/presentationml/2006/main">
-  <p:cSld>
-    <p:spTree>
-      <p:nvGrpSpPr>
-        <p:cNvPr id="1" name=""/>
-        <p:cNvGrpSpPr/>
-        <p:nvPr/>
-      </p:nvGrpSpPr>
-      <p:grpSpPr>
-        <a:xfrm>
-          <a:off x="0" y="0"/>
-          <a:ext cx="0" cy="0"/>
-          <a:chOff x="0" y="0"/>
-          <a:chExt cx="0" cy="0"/>
-        </a:xfrm>
-      </p:grpSpPr>
-      <p:sp>
-        <p:nvSpPr>
-          <p:cNvPr id="9" name="Title 1">
-            <a:extLst>
-              <a:ext uri="{FF2B5EF4-FFF2-40B4-BE49-F238E27FC236}">
-                <a16:creationId xmlns:a16="http://schemas.microsoft.com/office/drawing/2014/main" id="{D2961D40-A93C-726E-9656-F8FDBF4BAE76}"/>
-              </a:ext>
-            </a:extLst>
-          </p:cNvPr>
-          <p:cNvSpPr>
-            <a:spLocks noGrp="1"/>
-          </p:cNvSpPr>
-          <p:nvPr>
-            <p:ph type="title"/>
-          </p:nvPr>
-        </p:nvSpPr>
-        <p:spPr>
-          <a:xfrm>
-            <a:off x="133181" y="1303283"/>
-            <a:ext cx="4538134" cy="2932909"/>
-          </a:xfrm>
-        </p:spPr>
-        <p:txBody>
-          <a:bodyPr>
-            <a:normAutofit/>
-          </a:bodyPr>
-          <a:lstStyle/>
-          <a:p>
-            <a:r>
-              <a:rPr lang="en-US" sz="6600" dirty="0"/>
-              <a:t>Result</a:t>
-            </a:r>
-          </a:p>
-        </p:txBody>
-      </p:sp>
-      <p:pic>
-        <p:nvPicPr>
-          <p:cNvPr id="3" name="Picture 2">
-            <a:extLst>
-              <a:ext uri="{FF2B5EF4-FFF2-40B4-BE49-F238E27FC236}">
-                <a16:creationId xmlns:a16="http://schemas.microsoft.com/office/drawing/2014/main" id="{9E1EDE09-DB61-B8C2-04FE-B6745367A0D2}"/>
-              </a:ext>
-            </a:extLst>
-          </p:cNvPr>
-          <p:cNvPicPr>
-            <a:picLocks noChangeAspect="1"/>
-          </p:cNvPicPr>
-          <p:nvPr/>
-        </p:nvPicPr>
-        <p:blipFill>
-          <a:blip r:embed="rId2"/>
-          <a:stretch>
-            <a:fillRect/>
-          </a:stretch>
-        </p:blipFill>
-        <p:spPr>
-          <a:xfrm>
-            <a:off x="4924712" y="706500"/>
-            <a:ext cx="7267288" cy="5444999"/>
-          </a:xfrm>
-          <a:prstGeom prst="rect">
-            <a:avLst/>
-          </a:prstGeom>
-        </p:spPr>
-      </p:pic>
-    </p:spTree>
-    <p:extLst>
-      <p:ext uri="{BB962C8B-B14F-4D97-AF65-F5344CB8AC3E}">
-        <p14:creationId xmlns:p14="http://schemas.microsoft.com/office/powerpoint/2010/main" val="1688648893"/>
       </p:ext>
     </p:extLst>
   </p:cSld>

--- a/การทำนายสภาพอากาศด้วย Linear Regression.pptx
+++ b/การทำนายสภาพอากาศด้วย Linear Regression.pptx
@@ -5,10 +5,10 @@
     <p:sldMasterId id="2147483746" r:id="rId1"/>
   </p:sldMasterIdLst>
   <p:notesMasterIdLst>
-    <p:notesMasterId r:id="rId9"/>
+    <p:notesMasterId r:id="rId10"/>
   </p:notesMasterIdLst>
   <p:handoutMasterIdLst>
-    <p:handoutMasterId r:id="rId10"/>
+    <p:handoutMasterId r:id="rId11"/>
   </p:handoutMasterIdLst>
   <p:sldIdLst>
     <p:sldId id="257" r:id="rId2"/>
@@ -17,7 +17,8 @@
     <p:sldId id="260" r:id="rId5"/>
     <p:sldId id="262" r:id="rId6"/>
     <p:sldId id="263" r:id="rId7"/>
-    <p:sldId id="264" r:id="rId8"/>
+    <p:sldId id="266" r:id="rId8"/>
+    <p:sldId id="264" r:id="rId9"/>
   </p:sldIdLst>
   <p:sldSz cx="12192000" cy="6858000"/>
   <p:notesSz cx="6858000" cy="9144000"/>
@@ -211,7 +212,7 @@
             <a:pPr rtl="0"/>
             <a:fld id="{EAE88D77-011B-4494-B619-371C86C1D6DE}" type="datetime1">
               <a:rPr lang="th-TH" smtClean="0"/>
-              <a:t>04/04/67</a:t>
+              <a:t>11/04/67</a:t>
             </a:fld>
             <a:endParaRPr lang="en-US" dirty="0"/>
           </a:p>
@@ -381,7 +382,7 @@
             <a:pPr rtl="0"/>
             <a:fld id="{D974491A-EE82-4338-BD03-45A90D612BB3}" type="datetime1">
               <a:rPr lang="th-TH" smtClean="0"/>
-              <a:t>04/04/67</a:t>
+              <a:t>11/04/67</a:t>
             </a:fld>
             <a:endParaRPr lang="en-US"/>
           </a:p>
@@ -901,7 +902,7 @@
             <a:pPr rtl="0"/>
             <a:fld id="{DA5FAB7B-8F37-4C7E-BDF5-33AC9D9C4B2B}" type="datetime1">
               <a:rPr lang="th-TH" smtClean="0"/>
-              <a:t>04/04/67</a:t>
+              <a:t>11/04/67</a:t>
             </a:fld>
             <a:endParaRPr lang="en-US" dirty="0"/>
           </a:p>
@@ -1093,7 +1094,7 @@
             <a:pPr rtl="0"/>
             <a:fld id="{D14892FE-1CE3-4DF6-915B-FD5CE9A14362}" type="datetime1">
               <a:rPr lang="th-TH" smtClean="0"/>
-              <a:t>04/04/67</a:t>
+              <a:t>11/04/67</a:t>
             </a:fld>
             <a:endParaRPr lang="en-US" dirty="0"/>
           </a:p>
@@ -1339,7 +1340,7 @@
             <a:pPr rtl="0"/>
             <a:fld id="{B5A93689-9860-4B52-A9C2-8E2CD3434904}" type="datetime1">
               <a:rPr lang="th-TH" smtClean="0"/>
-              <a:t>04/04/67</a:t>
+              <a:t>11/04/67</a:t>
             </a:fld>
             <a:endParaRPr lang="en-US" dirty="0"/>
           </a:p>
@@ -1531,7 +1532,7 @@
             <a:pPr rtl="0"/>
             <a:fld id="{F392C6E7-9EEF-493C-91CC-9425D8FC7B88}" type="datetime1">
               <a:rPr lang="th-TH" smtClean="0"/>
-              <a:t>04/04/67</a:t>
+              <a:t>11/04/67</a:t>
             </a:fld>
             <a:endParaRPr lang="en-US" dirty="0"/>
           </a:p>
@@ -1908,7 +1909,7 @@
             <a:pPr rtl="0"/>
             <a:fld id="{AF94E800-FF0E-4A07-A0E2-F97642AB7986}" type="datetime1">
               <a:rPr lang="th-TH" smtClean="0"/>
-              <a:t>04/04/67</a:t>
+              <a:t>11/04/67</a:t>
             </a:fld>
             <a:endParaRPr lang="en-US" dirty="0"/>
           </a:p>
@@ -2167,7 +2168,7 @@
             <a:pPr rtl="0"/>
             <a:fld id="{EAE644C0-C132-40D8-BBDB-470FEE85FBF7}" type="datetime1">
               <a:rPr lang="th-TH" smtClean="0"/>
-              <a:t>04/04/67</a:t>
+              <a:t>11/04/67</a:t>
             </a:fld>
             <a:endParaRPr lang="en-US" dirty="0"/>
           </a:p>
@@ -2568,7 +2569,7 @@
             <a:pPr rtl="0"/>
             <a:fld id="{4E84440F-91A8-4ADF-BFC4-EFACA801E2E7}" type="datetime1">
               <a:rPr lang="th-TH" smtClean="0"/>
-              <a:t>04/04/67</a:t>
+              <a:t>11/04/67</a:t>
             </a:fld>
             <a:endParaRPr lang="en-US" dirty="0"/>
           </a:p>
@@ -2708,7 +2709,7 @@
             <a:pPr rtl="0"/>
             <a:fld id="{55FB8681-8F67-4EFA-8F5D-726C0188CE48}" type="datetime1">
               <a:rPr lang="th-TH" smtClean="0"/>
-              <a:t>04/04/67</a:t>
+              <a:t>11/04/67</a:t>
             </a:fld>
             <a:endParaRPr lang="en-US" dirty="0"/>
           </a:p>
@@ -2868,7 +2869,7 @@
             <a:pPr rtl="0"/>
             <a:fld id="{F32D1D08-8F83-43F7-9B23-4BDF0A8F0240}" type="datetime1">
               <a:rPr lang="th-TH" smtClean="0"/>
-              <a:t>04/04/67</a:t>
+              <a:t>11/04/67</a:t>
             </a:fld>
             <a:endParaRPr lang="en-US" dirty="0"/>
           </a:p>
@@ -3201,7 +3202,7 @@
             <a:pPr rtl="0"/>
             <a:fld id="{5A8ECA47-D5A9-4870-895F-B86F7ABB26AA}" type="datetime1">
               <a:rPr lang="th-TH" smtClean="0"/>
-              <a:t>04/04/67</a:t>
+              <a:t>11/04/67</a:t>
             </a:fld>
             <a:endParaRPr lang="en-US" dirty="0"/>
           </a:p>
@@ -3556,7 +3557,7 @@
             <a:pPr rtl="0"/>
             <a:fld id="{4C8F76CF-364D-4E88-856B-132856FE95E2}" type="datetime1">
               <a:rPr lang="th-TH" smtClean="0"/>
-              <a:t>04/04/67</a:t>
+              <a:t>11/04/67</a:t>
             </a:fld>
             <a:endParaRPr lang="en-US" dirty="0"/>
           </a:p>
@@ -3821,7 +3822,7 @@
           <a:p>
             <a:fld id="{BF34143C-7A6E-4A41-95B4-C2A5D301FEB6}" type="datetime1">
               <a:rPr lang="th-TH" smtClean="0"/>
-              <a:t>04/04/67</a:t>
+              <a:t>11/04/67</a:t>
             </a:fld>
             <a:endParaRPr lang="en-US" dirty="0"/>
           </a:p>
@@ -4420,7 +4421,7 @@
             </a:r>
             <a:r>
               <a:rPr lang="en-US" dirty="0"/>
-              <a:t> Linear Regression</a:t>
+              <a:t> Logistic Regression</a:t>
             </a:r>
             <a:endParaRPr lang="th-th" dirty="0"/>
           </a:p>
@@ -4579,10 +4580,10 @@
       </p:sp>
       <p:pic>
         <p:nvPicPr>
-          <p:cNvPr id="3" name="Picture 2">
-            <a:extLst>
-              <a:ext uri="{FF2B5EF4-FFF2-40B4-BE49-F238E27FC236}">
-                <a16:creationId xmlns:a16="http://schemas.microsoft.com/office/drawing/2014/main" id="{53F248C1-9C48-B808-BF72-30BAD07666E4}"/>
+          <p:cNvPr id="5" name="Picture 4">
+            <a:extLst>
+              <a:ext uri="{FF2B5EF4-FFF2-40B4-BE49-F238E27FC236}">
+                <a16:creationId xmlns:a16="http://schemas.microsoft.com/office/drawing/2014/main" id="{626BC812-83A0-ED7D-B9EB-DE908D6429B1}"/>
               </a:ext>
             </a:extLst>
           </p:cNvPr>
@@ -4599,44 +4600,70 @@
         </p:blipFill>
         <p:spPr>
           <a:xfrm>
-            <a:off x="7283508" y="3657601"/>
-            <a:ext cx="2427181" cy="1919535"/>
+            <a:off x="5407668" y="1781497"/>
+            <a:ext cx="6508647" cy="2523106"/>
           </a:xfrm>
           <a:prstGeom prst="rect">
             <a:avLst/>
           </a:prstGeom>
         </p:spPr>
       </p:pic>
-      <p:pic>
-        <p:nvPicPr>
-          <p:cNvPr id="5" name="Picture 4">
-            <a:extLst>
-              <a:ext uri="{FF2B5EF4-FFF2-40B4-BE49-F238E27FC236}">
-                <a16:creationId xmlns:a16="http://schemas.microsoft.com/office/drawing/2014/main" id="{626BC812-83A0-ED7D-B9EB-DE908D6429B1}"/>
-              </a:ext>
-            </a:extLst>
-          </p:cNvPr>
-          <p:cNvPicPr>
-            <a:picLocks noChangeAspect="1"/>
-          </p:cNvPicPr>
+      <p:sp>
+        <p:nvSpPr>
+          <p:cNvPr id="6" name="TextBox 5">
+            <a:extLst>
+              <a:ext uri="{FF2B5EF4-FFF2-40B4-BE49-F238E27FC236}">
+                <a16:creationId xmlns:a16="http://schemas.microsoft.com/office/drawing/2014/main" id="{336FE5CA-6117-3554-07F6-EF8EFFDFD56F}"/>
+              </a:ext>
+            </a:extLst>
+          </p:cNvPr>
+          <p:cNvSpPr txBox="1"/>
           <p:nvPr/>
-        </p:nvPicPr>
-        <p:blipFill>
-          <a:blip r:embed="rId4"/>
-          <a:stretch>
-            <a:fillRect/>
-          </a:stretch>
-        </p:blipFill>
-        <p:spPr>
-          <a:xfrm>
-            <a:off x="5242776" y="677294"/>
-            <a:ext cx="6508647" cy="2523106"/>
+        </p:nvSpPr>
+        <p:spPr>
+          <a:xfrm>
+            <a:off x="5510303" y="4746562"/>
+            <a:ext cx="3344447" cy="369332"/>
           </a:xfrm>
           <a:prstGeom prst="rect">
             <a:avLst/>
           </a:prstGeom>
-        </p:spPr>
-      </p:pic>
+          <a:noFill/>
+        </p:spPr>
+        <p:txBody>
+          <a:bodyPr wrap="square">
+            <a:spAutoFit/>
+          </a:bodyPr>
+          <a:lstStyle/>
+          <a:p>
+            <a:r>
+              <a:rPr lang="en-US" dirty="0">
+                <a:latin typeface="Leelawadee" panose="020B0502040204020203" pitchFamily="34" charset="-34"/>
+                <a:cs typeface="Leelawadee" panose="020B0502040204020203" pitchFamily="34" charset="-34"/>
+              </a:rPr>
+              <a:t>-</a:t>
+            </a:r>
+            <a:r>
+              <a:rPr lang="th-TH" dirty="0">
+                <a:latin typeface="Leelawadee" panose="020B0502040204020203" pitchFamily="34" charset="-34"/>
+                <a:cs typeface="Leelawadee" panose="020B0502040204020203" pitchFamily="34" charset="-34"/>
+              </a:rPr>
+              <a:t>น้ำจากอากาศ (</a:t>
+            </a:r>
+            <a:r>
+              <a:rPr lang="en-US" dirty="0">
+                <a:latin typeface="Leelawadee" panose="020B0502040204020203" pitchFamily="34" charset="-34"/>
+                <a:cs typeface="Leelawadee" panose="020B0502040204020203" pitchFamily="34" charset="-34"/>
+              </a:rPr>
+              <a:t>Precipitation)</a:t>
+            </a:r>
+            <a:endParaRPr lang="th-TH" dirty="0">
+              <a:latin typeface="Leelawadee" panose="020B0502040204020203" pitchFamily="34" charset="-34"/>
+              <a:cs typeface="Leelawadee" panose="020B0502040204020203" pitchFamily="34" charset="-34"/>
+            </a:endParaRPr>
+          </a:p>
+        </p:txBody>
+      </p:sp>
     </p:spTree>
     <p:extLst>
       <p:ext uri="{BB962C8B-B14F-4D97-AF65-F5344CB8AC3E}">
@@ -4749,10 +4776,10 @@
       </p:sp>
       <p:pic>
         <p:nvPicPr>
-          <p:cNvPr id="8" name="Picture 7" descr="A screenshot of a graph&#10;&#10;Description automatically generated">
-            <a:extLst>
-              <a:ext uri="{FF2B5EF4-FFF2-40B4-BE49-F238E27FC236}">
-                <a16:creationId xmlns:a16="http://schemas.microsoft.com/office/drawing/2014/main" id="{20208765-F7DE-1B31-3D8E-C085524878ED}"/>
+          <p:cNvPr id="3" name="Picture 2">
+            <a:extLst>
+              <a:ext uri="{FF2B5EF4-FFF2-40B4-BE49-F238E27FC236}">
+                <a16:creationId xmlns:a16="http://schemas.microsoft.com/office/drawing/2014/main" id="{42149017-02FB-08C4-E61C-F83024E3F82A}"/>
               </a:ext>
             </a:extLst>
           </p:cNvPr>
@@ -4762,21 +4789,15 @@
           <p:nvPr/>
         </p:nvPicPr>
         <p:blipFill>
-          <a:blip r:embed="rId3">
-            <a:extLst>
-              <a:ext uri="{28A0092B-C50C-407E-A947-70E740481C1C}">
-                <a14:useLocalDpi xmlns:a14="http://schemas.microsoft.com/office/drawing/2010/main" val="0"/>
-              </a:ext>
-            </a:extLst>
-          </a:blip>
+          <a:blip r:embed="rId3"/>
           <a:stretch>
             <a:fillRect/>
           </a:stretch>
         </p:blipFill>
         <p:spPr>
           <a:xfrm>
-            <a:off x="4834516" y="786383"/>
-            <a:ext cx="7357484" cy="5033585"/>
+            <a:off x="5417082" y="524567"/>
+            <a:ext cx="6131452" cy="5764995"/>
           </a:xfrm>
           <a:prstGeom prst="rect">
             <a:avLst/>
@@ -5134,26 +5155,31 @@
           <a:p>
             <a:r>
               <a:rPr lang="en-US" sz="6600" dirty="0"/>
-              <a:t>Linear Regression</a:t>
+              <a:t>Logistic </a:t>
+            </a:r>
+            <a:br>
+              <a:rPr lang="en-US" sz="6600" dirty="0"/>
+            </a:br>
+            <a:r>
+              <a:rPr lang="en-US" sz="6600" dirty="0"/>
+              <a:t>Regression</a:t>
             </a:r>
           </a:p>
         </p:txBody>
       </p:sp>
       <p:pic>
         <p:nvPicPr>
-          <p:cNvPr id="6" name="Content Placeholder 5">
-            <a:extLst>
-              <a:ext uri="{FF2B5EF4-FFF2-40B4-BE49-F238E27FC236}">
-                <a16:creationId xmlns:a16="http://schemas.microsoft.com/office/drawing/2014/main" id="{9160D01E-4E3E-25FC-4F66-27A73EF48BEE}"/>
+          <p:cNvPr id="5" name="Picture 4">
+            <a:extLst>
+              <a:ext uri="{FF2B5EF4-FFF2-40B4-BE49-F238E27FC236}">
+                <a16:creationId xmlns:a16="http://schemas.microsoft.com/office/drawing/2014/main" id="{2B27A846-AD41-FCEA-588F-FE26B8522D1F}"/>
               </a:ext>
             </a:extLst>
           </p:cNvPr>
           <p:cNvPicPr>
-            <a:picLocks noGrp="1" noChangeAspect="1"/>
+            <a:picLocks noChangeAspect="1"/>
           </p:cNvPicPr>
-          <p:nvPr>
-            <p:ph idx="1"/>
-          </p:nvPr>
+          <p:nvPr/>
         </p:nvPicPr>
         <p:blipFill>
           <a:blip r:embed="rId2"/>
@@ -5163,11 +5189,112 @@
         </p:blipFill>
         <p:spPr>
           <a:xfrm>
-            <a:off x="5055385" y="1051035"/>
-            <a:ext cx="6863346" cy="4475125"/>
-          </a:xfrm>
+            <a:off x="4886653" y="1303283"/>
+            <a:ext cx="7240032" cy="1247715"/>
+          </a:xfrm>
+          <a:prstGeom prst="rect">
+            <a:avLst/>
+          </a:prstGeom>
         </p:spPr>
       </p:pic>
+      <p:sp>
+        <p:nvSpPr>
+          <p:cNvPr id="17" name="TextBox 16">
+            <a:extLst>
+              <a:ext uri="{FF2B5EF4-FFF2-40B4-BE49-F238E27FC236}">
+                <a16:creationId xmlns:a16="http://schemas.microsoft.com/office/drawing/2014/main" id="{7DAE1016-2370-9C1B-95A4-0D0BD7CE49DA}"/>
+              </a:ext>
+            </a:extLst>
+          </p:cNvPr>
+          <p:cNvSpPr txBox="1"/>
+          <p:nvPr/>
+        </p:nvSpPr>
+        <p:spPr>
+          <a:xfrm>
+            <a:off x="4886653" y="3001863"/>
+            <a:ext cx="7103184" cy="707886"/>
+          </a:xfrm>
+          <a:prstGeom prst="rect">
+            <a:avLst/>
+          </a:prstGeom>
+          <a:noFill/>
+        </p:spPr>
+        <p:txBody>
+          <a:bodyPr wrap="square">
+            <a:spAutoFit/>
+          </a:bodyPr>
+          <a:lstStyle/>
+          <a:p>
+            <a:r>
+              <a:rPr lang="en-US" sz="2000" b="1" dirty="0">
+                <a:latin typeface="Leelawadee" panose="020B0502040204020203" pitchFamily="34" charset="-34"/>
+                <a:cs typeface="Leelawadee" panose="020B0502040204020203" pitchFamily="34" charset="-34"/>
+              </a:rPr>
+              <a:t>multinomial logistic regression </a:t>
+            </a:r>
+            <a:r>
+              <a:rPr lang="en-US" sz="2000" dirty="0">
+                <a:latin typeface="Leelawadee" panose="020B0502040204020203" pitchFamily="34" charset="-34"/>
+                <a:cs typeface="Leelawadee" panose="020B0502040204020203" pitchFamily="34" charset="-34"/>
+              </a:rPr>
+              <a:t>is a classification method that generalizes logistic regression to multiclass problems</a:t>
+            </a:r>
+            <a:endParaRPr lang="th-TH" sz="2000" dirty="0">
+              <a:latin typeface="Leelawadee" panose="020B0502040204020203" pitchFamily="34" charset="-34"/>
+              <a:cs typeface="Leelawadee" panose="020B0502040204020203" pitchFamily="34" charset="-34"/>
+            </a:endParaRPr>
+          </a:p>
+        </p:txBody>
+      </p:sp>
+      <p:sp>
+        <p:nvSpPr>
+          <p:cNvPr id="21" name="TextBox 20">
+            <a:extLst>
+              <a:ext uri="{FF2B5EF4-FFF2-40B4-BE49-F238E27FC236}">
+                <a16:creationId xmlns:a16="http://schemas.microsoft.com/office/drawing/2014/main" id="{70F039D0-6DB5-C264-4EE6-78C39A66058C}"/>
+              </a:ext>
+            </a:extLst>
+          </p:cNvPr>
+          <p:cNvSpPr txBox="1"/>
+          <p:nvPr/>
+        </p:nvSpPr>
+        <p:spPr>
+          <a:xfrm>
+            <a:off x="4886653" y="4160615"/>
+            <a:ext cx="6869918" cy="646331"/>
+          </a:xfrm>
+          <a:prstGeom prst="rect">
+            <a:avLst/>
+          </a:prstGeom>
+          <a:noFill/>
+        </p:spPr>
+        <p:txBody>
+          <a:bodyPr wrap="square">
+            <a:spAutoFit/>
+          </a:bodyPr>
+          <a:lstStyle/>
+          <a:p>
+            <a:r>
+              <a:rPr lang="en-US" b="1" dirty="0">
+                <a:latin typeface="Leelawadee" panose="020B0502040204020203" pitchFamily="34" charset="-34"/>
+                <a:cs typeface="Leelawadee" panose="020B0502040204020203" pitchFamily="34" charset="-34"/>
+              </a:rPr>
+              <a:t>Limited-memory BFGS (L-BFGS or LM-BFGS) </a:t>
+            </a:r>
+            <a:r>
+              <a:rPr lang="en-US" dirty="0">
+                <a:latin typeface="Leelawadee" panose="020B0502040204020203" pitchFamily="34" charset="-34"/>
+                <a:cs typeface="Leelawadee" panose="020B0502040204020203" pitchFamily="34" charset="-34"/>
+              </a:rPr>
+              <a:t>is an optimization algorithm</a:t>
+            </a:r>
+            <a:endParaRPr lang="th-TH" dirty="0">
+              <a:latin typeface="Leelawadee" panose="020B0502040204020203" pitchFamily="34" charset="-34"/>
+              <a:cs typeface="Leelawadee" panose="020B0502040204020203" pitchFamily="34" charset="-34"/>
+            </a:endParaRPr>
+          </a:p>
+        </p:txBody>
+      </p:sp>
     </p:spTree>
     <p:extLst>
       <p:ext uri="{BB962C8B-B14F-4D97-AF65-F5344CB8AC3E}">
@@ -5225,18 +5352,18 @@
           <a:lstStyle/>
           <a:p>
             <a:r>
-              <a:rPr lang="en-US" dirty="0"/>
-              <a:t>Mean Square Error</a:t>
+              <a:rPr lang="en-US" b="1" dirty="0"/>
+              <a:t>Compute accuracy</a:t>
             </a:r>
           </a:p>
         </p:txBody>
       </p:sp>
       <p:pic>
         <p:nvPicPr>
-          <p:cNvPr id="3" name="Picture 2">
-            <a:extLst>
-              <a:ext uri="{FF2B5EF4-FFF2-40B4-BE49-F238E27FC236}">
-                <a16:creationId xmlns:a16="http://schemas.microsoft.com/office/drawing/2014/main" id="{AB3D1737-0282-7210-77BC-B16AEF38E7B7}"/>
+          <p:cNvPr id="5" name="Picture 4">
+            <a:extLst>
+              <a:ext uri="{FF2B5EF4-FFF2-40B4-BE49-F238E27FC236}">
+                <a16:creationId xmlns:a16="http://schemas.microsoft.com/office/drawing/2014/main" id="{C3BF625E-BB98-02BE-FFD5-78AF6E0E3FC3}"/>
               </a:ext>
             </a:extLst>
           </p:cNvPr>
@@ -5253,43 +5380,52 @@
         </p:blipFill>
         <p:spPr>
           <a:xfrm>
-            <a:off x="3342554" y="2228587"/>
-            <a:ext cx="5506891" cy="2400826"/>
+            <a:off x="2700252" y="2328526"/>
+            <a:ext cx="6791495" cy="2200948"/>
           </a:xfrm>
           <a:prstGeom prst="rect">
             <a:avLst/>
           </a:prstGeom>
         </p:spPr>
       </p:pic>
-      <p:pic>
-        <p:nvPicPr>
-          <p:cNvPr id="4" name="Picture 3">
-            <a:extLst>
-              <a:ext uri="{FF2B5EF4-FFF2-40B4-BE49-F238E27FC236}">
-                <a16:creationId xmlns:a16="http://schemas.microsoft.com/office/drawing/2014/main" id="{269431A4-8037-569C-EFB8-095BCA9F9EC6}"/>
-              </a:ext>
-            </a:extLst>
-          </p:cNvPr>
-          <p:cNvPicPr>
-            <a:picLocks noChangeAspect="1"/>
-          </p:cNvPicPr>
+      <p:sp>
+        <p:nvSpPr>
+          <p:cNvPr id="7" name="TextBox 6">
+            <a:extLst>
+              <a:ext uri="{FF2B5EF4-FFF2-40B4-BE49-F238E27FC236}">
+                <a16:creationId xmlns:a16="http://schemas.microsoft.com/office/drawing/2014/main" id="{4A518516-D58C-49F5-7684-814B4DE19B45}"/>
+              </a:ext>
+            </a:extLst>
+          </p:cNvPr>
+          <p:cNvSpPr txBox="1"/>
           <p:nvPr/>
-        </p:nvPicPr>
-        <p:blipFill rotWithShape="1">
-          <a:blip r:embed="rId3"/>
-          <a:srcRect t="24823"/>
-          <a:stretch/>
-        </p:blipFill>
-        <p:spPr>
-          <a:xfrm>
-            <a:off x="2511982" y="5184475"/>
-            <a:ext cx="7168035" cy="428462"/>
+        </p:nvSpPr>
+        <p:spPr>
+          <a:xfrm>
+            <a:off x="3538350" y="4766697"/>
+            <a:ext cx="6097554" cy="707886"/>
           </a:xfrm>
           <a:prstGeom prst="rect">
             <a:avLst/>
           </a:prstGeom>
-        </p:spPr>
-      </p:pic>
+          <a:noFill/>
+        </p:spPr>
+        <p:txBody>
+          <a:bodyPr wrap="square">
+            <a:spAutoFit/>
+          </a:bodyPr>
+          <a:lstStyle/>
+          <a:p>
+            <a:r>
+              <a:rPr lang="th-TH" sz="4000" b="1" dirty="0">
+                <a:latin typeface="Leelawadee" panose="020B0502040204020203" pitchFamily="34" charset="-34"/>
+                <a:cs typeface="Leelawadee" panose="020B0502040204020203" pitchFamily="34" charset="-34"/>
+              </a:rPr>
+              <a:t>Accuracy: 0.85</a:t>
+            </a:r>
+          </a:p>
+        </p:txBody>
+      </p:sp>
     </p:spTree>
     <p:extLst>
       <p:ext uri="{BB962C8B-B14F-4D97-AF65-F5344CB8AC3E}">
@@ -5355,12 +5491,60 @@
           </a:p>
         </p:txBody>
       </p:sp>
+      <p:sp>
+        <p:nvSpPr>
+          <p:cNvPr id="11" name="TextBox 10">
+            <a:extLst>
+              <a:ext uri="{FF2B5EF4-FFF2-40B4-BE49-F238E27FC236}">
+                <a16:creationId xmlns:a16="http://schemas.microsoft.com/office/drawing/2014/main" id="{5120FCC4-9B80-CC8E-A5D6-3725731A03AF}"/>
+              </a:ext>
+            </a:extLst>
+          </p:cNvPr>
+          <p:cNvSpPr txBox="1"/>
+          <p:nvPr/>
+        </p:nvSpPr>
+        <p:spPr>
+          <a:xfrm>
+            <a:off x="6021354" y="630228"/>
+            <a:ext cx="6237514" cy="646331"/>
+          </a:xfrm>
+          <a:prstGeom prst="rect">
+            <a:avLst/>
+          </a:prstGeom>
+          <a:noFill/>
+        </p:spPr>
+        <p:txBody>
+          <a:bodyPr wrap="square">
+            <a:spAutoFit/>
+          </a:bodyPr>
+          <a:lstStyle/>
+          <a:p>
+            <a:r>
+              <a:rPr lang="en-US" sz="3600" b="1" dirty="0">
+                <a:solidFill>
+                  <a:schemeClr val="tx2"/>
+                </a:solidFill>
+                <a:latin typeface="Leelawadee" panose="020B0502040204020203" pitchFamily="34" charset="-34"/>
+                <a:cs typeface="Leelawadee" panose="020B0502040204020203" pitchFamily="34" charset="-34"/>
+              </a:rPr>
+              <a:t>Classification Report</a:t>
+            </a:r>
+            <a:endParaRPr lang="th-TH" sz="3600" b="1" dirty="0">
+              <a:solidFill>
+                <a:schemeClr val="tx2"/>
+              </a:solidFill>
+              <a:latin typeface="Leelawadee" panose="020B0502040204020203" pitchFamily="34" charset="-34"/>
+              <a:cs typeface="Leelawadee" panose="020B0502040204020203" pitchFamily="34" charset="-34"/>
+            </a:endParaRPr>
+          </a:p>
+        </p:txBody>
+      </p:sp>
       <p:pic>
         <p:nvPicPr>
           <p:cNvPr id="5" name="Picture 4">
             <a:extLst>
               <a:ext uri="{FF2B5EF4-FFF2-40B4-BE49-F238E27FC236}">
-                <a16:creationId xmlns:a16="http://schemas.microsoft.com/office/drawing/2014/main" id="{CF2ACBD7-E88E-BD92-BC09-29273D95A8CD}"/>
+                <a16:creationId xmlns:a16="http://schemas.microsoft.com/office/drawing/2014/main" id="{A7646AEB-FDF3-2AC9-1741-3BE4AF6DB434}"/>
               </a:ext>
             </a:extLst>
           </p:cNvPr>
@@ -5377,14 +5561,79 @@
         </p:blipFill>
         <p:spPr>
           <a:xfrm>
-            <a:off x="4887582" y="414762"/>
-            <a:ext cx="6948666" cy="5028180"/>
+            <a:off x="5256833" y="1969828"/>
+            <a:ext cx="6454202" cy="3712515"/>
           </a:xfrm>
           <a:prstGeom prst="rect">
             <a:avLst/>
           </a:prstGeom>
         </p:spPr>
       </p:pic>
+    </p:spTree>
+    <p:extLst>
+      <p:ext uri="{BB962C8B-B14F-4D97-AF65-F5344CB8AC3E}">
+        <p14:creationId xmlns:p14="http://schemas.microsoft.com/office/powerpoint/2010/main" val="633647797"/>
+      </p:ext>
+    </p:extLst>
+  </p:cSld>
+  <p:clrMapOvr>
+    <a:masterClrMapping/>
+  </p:clrMapOvr>
+</p:sld>
+</file>
+
+<file path=ppt/slides/slide8.xml><?xml version="1.0" encoding="utf-8"?>
+<p:sld xmlns:a="http://schemas.openxmlformats.org/drawingml/2006/main" xmlns:r="http://schemas.openxmlformats.org/officeDocument/2006/relationships" xmlns:p="http://schemas.openxmlformats.org/presentationml/2006/main">
+  <p:cSld>
+    <p:spTree>
+      <p:nvGrpSpPr>
+        <p:cNvPr id="1" name=""/>
+        <p:cNvGrpSpPr/>
+        <p:nvPr/>
+      </p:nvGrpSpPr>
+      <p:grpSpPr>
+        <a:xfrm>
+          <a:off x="0" y="0"/>
+          <a:ext cx="0" cy="0"/>
+          <a:chOff x="0" y="0"/>
+          <a:chExt cx="0" cy="0"/>
+        </a:xfrm>
+      </p:grpSpPr>
+      <p:sp>
+        <p:nvSpPr>
+          <p:cNvPr id="9" name="Title 1">
+            <a:extLst>
+              <a:ext uri="{FF2B5EF4-FFF2-40B4-BE49-F238E27FC236}">
+                <a16:creationId xmlns:a16="http://schemas.microsoft.com/office/drawing/2014/main" id="{D2961D40-A93C-726E-9656-F8FDBF4BAE76}"/>
+              </a:ext>
+            </a:extLst>
+          </p:cNvPr>
+          <p:cNvSpPr>
+            <a:spLocks noGrp="1"/>
+          </p:cNvSpPr>
+          <p:nvPr>
+            <p:ph type="title"/>
+          </p:nvPr>
+        </p:nvSpPr>
+        <p:spPr>
+          <a:xfrm>
+            <a:off x="133181" y="1303283"/>
+            <a:ext cx="4538134" cy="2932909"/>
+          </a:xfrm>
+        </p:spPr>
+        <p:txBody>
+          <a:bodyPr>
+            <a:normAutofit/>
+          </a:bodyPr>
+          <a:lstStyle/>
+          <a:p>
+            <a:r>
+              <a:rPr lang="en-US" sz="6600" dirty="0"/>
+              <a:t>Result</a:t>
+            </a:r>
+          </a:p>
+        </p:txBody>
+      </p:sp>
       <p:sp>
         <p:nvSpPr>
           <p:cNvPr id="2" name="TextBox 1">
@@ -5399,7 +5648,7 @@
         </p:nvSpPr>
         <p:spPr>
           <a:xfrm>
-            <a:off x="6682596" y="5442942"/>
+            <a:off x="7093143" y="4980005"/>
             <a:ext cx="1184695" cy="923330"/>
           </a:xfrm>
           <a:prstGeom prst="rect">
@@ -5414,22 +5663,34 @@
           <a:lstStyle/>
           <a:p>
             <a:r>
-              <a:rPr lang="en-US" dirty="0"/>
-              <a:t>1 drizzle</a:t>
-            </a:r>
-          </a:p>
-          <a:p>
-            <a:r>
-              <a:rPr lang="en-US" dirty="0"/>
-              <a:t>2 rain</a:t>
-            </a:r>
-          </a:p>
-          <a:p>
-            <a:r>
-              <a:rPr lang="en-US" dirty="0"/>
-              <a:t>3 sun</a:t>
-            </a:r>
-            <a:endParaRPr lang="th-TH" dirty="0"/>
+              <a:rPr lang="en-US" b="1" dirty="0">
+                <a:latin typeface="Leelawadee" panose="020B0502040204020203" pitchFamily="34" charset="-34"/>
+                <a:cs typeface="Leelawadee" panose="020B0502040204020203" pitchFamily="34" charset="-34"/>
+              </a:rPr>
+              <a:t>0 drizzle</a:t>
+            </a:r>
+          </a:p>
+          <a:p>
+            <a:r>
+              <a:rPr lang="en-US" b="1" dirty="0">
+                <a:latin typeface="Leelawadee" panose="020B0502040204020203" pitchFamily="34" charset="-34"/>
+                <a:cs typeface="Leelawadee" panose="020B0502040204020203" pitchFamily="34" charset="-34"/>
+              </a:rPr>
+              <a:t>1 rain</a:t>
+            </a:r>
+          </a:p>
+          <a:p>
+            <a:r>
+              <a:rPr lang="en-US" b="1" dirty="0">
+                <a:latin typeface="Leelawadee" panose="020B0502040204020203" pitchFamily="34" charset="-34"/>
+                <a:cs typeface="Leelawadee" panose="020B0502040204020203" pitchFamily="34" charset="-34"/>
+              </a:rPr>
+              <a:t>2 sun</a:t>
+            </a:r>
+            <a:endParaRPr lang="th-TH" b="1" dirty="0">
+              <a:latin typeface="Leelawadee" panose="020B0502040204020203" pitchFamily="34" charset="-34"/>
+              <a:cs typeface="Leelawadee" panose="020B0502040204020203" pitchFamily="34" charset="-34"/>
+            </a:endParaRPr>
           </a:p>
         </p:txBody>
       </p:sp>
@@ -5447,7 +5708,7 @@
         </p:nvSpPr>
         <p:spPr>
           <a:xfrm>
-            <a:off x="8212017" y="5442942"/>
+            <a:off x="8477071" y="4980005"/>
             <a:ext cx="1326081" cy="646331"/>
           </a:xfrm>
           <a:prstGeom prst="rect">
@@ -5462,16 +5723,103 @@
           <a:lstStyle/>
           <a:p>
             <a:r>
-              <a:rPr lang="en-US" dirty="0"/>
-              <a:t>4 snow</a:t>
-            </a:r>
-          </a:p>
-          <a:p>
-            <a:r>
-              <a:rPr lang="en-US" dirty="0"/>
-              <a:t>5 fog </a:t>
-            </a:r>
-            <a:endParaRPr lang="th-TH" dirty="0"/>
+              <a:rPr lang="en-US" b="1" dirty="0">
+                <a:latin typeface="Leelawadee" panose="020B0502040204020203" pitchFamily="34" charset="-34"/>
+                <a:cs typeface="Leelawadee" panose="020B0502040204020203" pitchFamily="34" charset="-34"/>
+              </a:rPr>
+              <a:t>3 snow</a:t>
+            </a:r>
+          </a:p>
+          <a:p>
+            <a:r>
+              <a:rPr lang="en-US" b="1" dirty="0">
+                <a:latin typeface="Leelawadee" panose="020B0502040204020203" pitchFamily="34" charset="-34"/>
+                <a:cs typeface="Leelawadee" panose="020B0502040204020203" pitchFamily="34" charset="-34"/>
+              </a:rPr>
+              <a:t>4 fog </a:t>
+            </a:r>
+            <a:endParaRPr lang="th-TH" b="1" dirty="0">
+              <a:latin typeface="Leelawadee" panose="020B0502040204020203" pitchFamily="34" charset="-34"/>
+              <a:cs typeface="Leelawadee" panose="020B0502040204020203" pitchFamily="34" charset="-34"/>
+            </a:endParaRPr>
+          </a:p>
+        </p:txBody>
+      </p:sp>
+      <p:pic>
+        <p:nvPicPr>
+          <p:cNvPr id="6" name="Picture 5">
+            <a:extLst>
+              <a:ext uri="{FF2B5EF4-FFF2-40B4-BE49-F238E27FC236}">
+                <a16:creationId xmlns:a16="http://schemas.microsoft.com/office/drawing/2014/main" id="{8DF4D577-2435-2473-2369-5C36DF4D8B9F}"/>
+              </a:ext>
+            </a:extLst>
+          </p:cNvPr>
+          <p:cNvPicPr>
+            <a:picLocks noChangeAspect="1"/>
+          </p:cNvPicPr>
+          <p:nvPr/>
+        </p:nvPicPr>
+        <p:blipFill>
+          <a:blip r:embed="rId2"/>
+          <a:stretch>
+            <a:fillRect/>
+          </a:stretch>
+        </p:blipFill>
+        <p:spPr>
+          <a:xfrm>
+            <a:off x="4855350" y="1799591"/>
+            <a:ext cx="7029571" cy="2285279"/>
+          </a:xfrm>
+          <a:prstGeom prst="rect">
+            <a:avLst/>
+          </a:prstGeom>
+        </p:spPr>
+      </p:pic>
+      <p:sp>
+        <p:nvSpPr>
+          <p:cNvPr id="11" name="TextBox 10">
+            <a:extLst>
+              <a:ext uri="{FF2B5EF4-FFF2-40B4-BE49-F238E27FC236}">
+                <a16:creationId xmlns:a16="http://schemas.microsoft.com/office/drawing/2014/main" id="{5120FCC4-9B80-CC8E-A5D6-3725731A03AF}"/>
+              </a:ext>
+            </a:extLst>
+          </p:cNvPr>
+          <p:cNvSpPr txBox="1"/>
+          <p:nvPr/>
+        </p:nvSpPr>
+        <p:spPr>
+          <a:xfrm>
+            <a:off x="6021354" y="630228"/>
+            <a:ext cx="6237514" cy="646331"/>
+          </a:xfrm>
+          <a:prstGeom prst="rect">
+            <a:avLst/>
+          </a:prstGeom>
+          <a:noFill/>
+        </p:spPr>
+        <p:txBody>
+          <a:bodyPr wrap="square">
+            <a:spAutoFit/>
+          </a:bodyPr>
+          <a:lstStyle/>
+          <a:p>
+            <a:r>
+              <a:rPr lang="en-US" sz="3600" b="1" dirty="0">
+                <a:solidFill>
+                  <a:schemeClr val="tx2"/>
+                </a:solidFill>
+                <a:latin typeface="Leelawadee" panose="020B0502040204020203" pitchFamily="34" charset="-34"/>
+                <a:cs typeface="Leelawadee" panose="020B0502040204020203" pitchFamily="34" charset="-34"/>
+              </a:rPr>
+              <a:t>Classification Report</a:t>
+            </a:r>
+            <a:endParaRPr lang="th-TH" sz="3600" b="1" dirty="0">
+              <a:solidFill>
+                <a:schemeClr val="tx2"/>
+              </a:solidFill>
+              <a:latin typeface="Leelawadee" panose="020B0502040204020203" pitchFamily="34" charset="-34"/>
+              <a:cs typeface="Leelawadee" panose="020B0502040204020203" pitchFamily="34" charset="-34"/>
+            </a:endParaRPr>
           </a:p>
         </p:txBody>
       </p:sp>
